--- a/teambuild/spaghetti-tower.pptx
+++ b/teambuild/spaghetti-tower.pptx
@@ -2,10 +2,12 @@
 <file path=ppt/presentation.xml><?xml version="1.0" encoding="utf-8"?>
 <p:presentation xmlns:a="http://schemas.openxmlformats.org/drawingml/2006/main" xmlns:r="http://schemas.openxmlformats.org/officeDocument/2006/relationships" xmlns:p="http://schemas.openxmlformats.org/presentationml/2006/main" saveSubsetFonts="1" autoCompressPictures="0">
   <p:sldMasterIdLst>
-    <p:sldMasterId id="2147483899" r:id="rId1"/>
+    <p:sldMasterId id="2147483983" r:id="rId1"/>
   </p:sldMasterIdLst>
   <p:sldIdLst>
     <p:sldId id="256" r:id="rId2"/>
+    <p:sldId id="257" r:id="rId3"/>
+    <p:sldId id="258" r:id="rId4"/>
   </p:sldIdLst>
   <p:sldSz cx="9144000" cy="6858000" type="screen4x3"/>
   <p:notesSz cx="6858000" cy="9144000"/>
@@ -339,7 +341,7 @@
     </p:spTree>
     <p:extLst>
       <p:ext uri="{BB962C8B-B14F-4D97-AF65-F5344CB8AC3E}">
-        <p14:creationId xmlns:p14="http://schemas.microsoft.com/office/powerpoint/2010/main" val="2971553215"/>
+        <p14:creationId xmlns:p14="http://schemas.microsoft.com/office/powerpoint/2010/main" val="1009646570"/>
       </p:ext>
     </p:extLst>
   </p:cSld>
@@ -509,7 +511,7 @@
     </p:spTree>
     <p:extLst>
       <p:ext uri="{BB962C8B-B14F-4D97-AF65-F5344CB8AC3E}">
-        <p14:creationId xmlns:p14="http://schemas.microsoft.com/office/powerpoint/2010/main" val="760979240"/>
+        <p14:creationId xmlns:p14="http://schemas.microsoft.com/office/powerpoint/2010/main" val="720070300"/>
       </p:ext>
     </p:extLst>
   </p:cSld>
@@ -689,7 +691,7 @@
     </p:spTree>
     <p:extLst>
       <p:ext uri="{BB962C8B-B14F-4D97-AF65-F5344CB8AC3E}">
-        <p14:creationId xmlns:p14="http://schemas.microsoft.com/office/powerpoint/2010/main" val="1896475428"/>
+        <p14:creationId xmlns:p14="http://schemas.microsoft.com/office/powerpoint/2010/main" val="3972371318"/>
       </p:ext>
     </p:extLst>
   </p:cSld>
@@ -859,7 +861,7 @@
     </p:spTree>
     <p:extLst>
       <p:ext uri="{BB962C8B-B14F-4D97-AF65-F5344CB8AC3E}">
-        <p14:creationId xmlns:p14="http://schemas.microsoft.com/office/powerpoint/2010/main" val="3720756647"/>
+        <p14:creationId xmlns:p14="http://schemas.microsoft.com/office/powerpoint/2010/main" val="3022577274"/>
       </p:ext>
     </p:extLst>
   </p:cSld>
@@ -1105,7 +1107,7 @@
     </p:spTree>
     <p:extLst>
       <p:ext uri="{BB962C8B-B14F-4D97-AF65-F5344CB8AC3E}">
-        <p14:creationId xmlns:p14="http://schemas.microsoft.com/office/powerpoint/2010/main" val="845785047"/>
+        <p14:creationId xmlns:p14="http://schemas.microsoft.com/office/powerpoint/2010/main" val="1764153324"/>
       </p:ext>
     </p:extLst>
   </p:cSld>
@@ -1340,8 +1342,14 @@
           <a:bodyPr/>
           <a:lstStyle/>
           <a:p>
-            <a:fld id="{855AAD6D-3626-4E47-8AE8-78EEEF8676EA}" type="datetimeFigureOut">
+            <a:pPr>
+              <a:defRPr/>
+            </a:pPr>
+            <a:fld id="{3089C577-B4D5-7144-859F-7AC8A598B092}" type="datetimeFigureOut">
               <a:rPr lang="en-US" smtClean="0"/>
+              <a:pPr>
+                <a:defRPr/>
+              </a:pPr>
               <a:t>7/9/24</a:t>
             </a:fld>
             <a:endParaRPr lang="en-US"/>
@@ -1363,6 +1371,9 @@
           <a:bodyPr/>
           <a:lstStyle/>
           <a:p>
+            <a:pPr>
+              <a:defRPr/>
+            </a:pPr>
             <a:endParaRPr lang="en-US"/>
           </a:p>
         </p:txBody>
@@ -1393,7 +1404,7 @@
     </p:spTree>
     <p:extLst>
       <p:ext uri="{BB962C8B-B14F-4D97-AF65-F5344CB8AC3E}">
-        <p14:creationId xmlns:p14="http://schemas.microsoft.com/office/powerpoint/2010/main" val="1199146772"/>
+        <p14:creationId xmlns:p14="http://schemas.microsoft.com/office/powerpoint/2010/main" val="1613265801"/>
       </p:ext>
     </p:extLst>
   </p:cSld>
@@ -1762,8 +1773,14 @@
           <a:bodyPr/>
           <a:lstStyle/>
           <a:p>
-            <a:fld id="{855AAD6D-3626-4E47-8AE8-78EEEF8676EA}" type="datetimeFigureOut">
+            <a:pPr>
+              <a:defRPr/>
+            </a:pPr>
+            <a:fld id="{3089C577-B4D5-7144-859F-7AC8A598B092}" type="datetimeFigureOut">
               <a:rPr lang="en-US" smtClean="0"/>
+              <a:pPr>
+                <a:defRPr/>
+              </a:pPr>
               <a:t>7/9/24</a:t>
             </a:fld>
             <a:endParaRPr lang="en-US"/>
@@ -1785,6 +1802,9 @@
           <a:bodyPr/>
           <a:lstStyle/>
           <a:p>
+            <a:pPr>
+              <a:defRPr/>
+            </a:pPr>
             <a:endParaRPr lang="en-US"/>
           </a:p>
         </p:txBody>
@@ -1815,7 +1835,7 @@
     </p:spTree>
     <p:extLst>
       <p:ext uri="{BB962C8B-B14F-4D97-AF65-F5344CB8AC3E}">
-        <p14:creationId xmlns:p14="http://schemas.microsoft.com/office/powerpoint/2010/main" val="2981811291"/>
+        <p14:creationId xmlns:p14="http://schemas.microsoft.com/office/powerpoint/2010/main" val="53621083"/>
       </p:ext>
     </p:extLst>
   </p:cSld>
@@ -1933,7 +1953,7 @@
     </p:spTree>
     <p:extLst>
       <p:ext uri="{BB962C8B-B14F-4D97-AF65-F5344CB8AC3E}">
-        <p14:creationId xmlns:p14="http://schemas.microsoft.com/office/powerpoint/2010/main" val="609622748"/>
+        <p14:creationId xmlns:p14="http://schemas.microsoft.com/office/powerpoint/2010/main" val="1056680831"/>
       </p:ext>
     </p:extLst>
   </p:cSld>
@@ -2028,7 +2048,7 @@
     </p:spTree>
     <p:extLst>
       <p:ext uri="{BB962C8B-B14F-4D97-AF65-F5344CB8AC3E}">
-        <p14:creationId xmlns:p14="http://schemas.microsoft.com/office/powerpoint/2010/main" val="926585642"/>
+        <p14:creationId xmlns:p14="http://schemas.microsoft.com/office/powerpoint/2010/main" val="4074378248"/>
       </p:ext>
     </p:extLst>
   </p:cSld>
@@ -2305,7 +2325,7 @@
     </p:spTree>
     <p:extLst>
       <p:ext uri="{BB962C8B-B14F-4D97-AF65-F5344CB8AC3E}">
-        <p14:creationId xmlns:p14="http://schemas.microsoft.com/office/powerpoint/2010/main" val="3253395937"/>
+        <p14:creationId xmlns:p14="http://schemas.microsoft.com/office/powerpoint/2010/main" val="3014154730"/>
       </p:ext>
     </p:extLst>
   </p:cSld>
@@ -2562,7 +2582,7 @@
     </p:spTree>
     <p:extLst>
       <p:ext uri="{BB962C8B-B14F-4D97-AF65-F5344CB8AC3E}">
-        <p14:creationId xmlns:p14="http://schemas.microsoft.com/office/powerpoint/2010/main" val="2293487460"/>
+        <p14:creationId xmlns:p14="http://schemas.microsoft.com/office/powerpoint/2010/main" val="2434140491"/>
       </p:ext>
     </p:extLst>
   </p:cSld>
@@ -2820,23 +2840,23 @@
     </p:spTree>
     <p:extLst>
       <p:ext uri="{BB962C8B-B14F-4D97-AF65-F5344CB8AC3E}">
-        <p14:creationId xmlns:p14="http://schemas.microsoft.com/office/powerpoint/2010/main" val="767600597"/>
+        <p14:creationId xmlns:p14="http://schemas.microsoft.com/office/powerpoint/2010/main" val="3176508383"/>
       </p:ext>
     </p:extLst>
   </p:cSld>
   <p:clrMap bg1="lt1" tx1="dk1" bg2="lt2" tx2="dk2" accent1="accent1" accent2="accent2" accent3="accent3" accent4="accent4" accent5="accent5" accent6="accent6" hlink="hlink" folHlink="folHlink"/>
   <p:sldLayoutIdLst>
-    <p:sldLayoutId id="2147483900" r:id="rId1"/>
-    <p:sldLayoutId id="2147483901" r:id="rId2"/>
-    <p:sldLayoutId id="2147483902" r:id="rId3"/>
-    <p:sldLayoutId id="2147483903" r:id="rId4"/>
-    <p:sldLayoutId id="2147483904" r:id="rId5"/>
-    <p:sldLayoutId id="2147483905" r:id="rId6"/>
-    <p:sldLayoutId id="2147483906" r:id="rId7"/>
-    <p:sldLayoutId id="2147483907" r:id="rId8"/>
-    <p:sldLayoutId id="2147483908" r:id="rId9"/>
-    <p:sldLayoutId id="2147483909" r:id="rId10"/>
-    <p:sldLayoutId id="2147483910" r:id="rId11"/>
+    <p:sldLayoutId id="2147483984" r:id="rId1"/>
+    <p:sldLayoutId id="2147483985" r:id="rId2"/>
+    <p:sldLayoutId id="2147483986" r:id="rId3"/>
+    <p:sldLayoutId id="2147483987" r:id="rId4"/>
+    <p:sldLayoutId id="2147483988" r:id="rId5"/>
+    <p:sldLayoutId id="2147483989" r:id="rId6"/>
+    <p:sldLayoutId id="2147483990" r:id="rId7"/>
+    <p:sldLayoutId id="2147483991" r:id="rId8"/>
+    <p:sldLayoutId id="2147483992" r:id="rId9"/>
+    <p:sldLayoutId id="2147483993" r:id="rId10"/>
+    <p:sldLayoutId id="2147483994" r:id="rId11"/>
   </p:sldLayoutIdLst>
   <p:txStyles>
     <p:titleStyle>
@@ -3110,10 +3130,10 @@
       </p:grpSpPr>
       <p:sp>
         <p:nvSpPr>
-          <p:cNvPr id="2" name="Title 1">
+          <p:cNvPr id="4" name="Title 3">
             <a:extLst>
               <a:ext uri="{FF2B5EF4-FFF2-40B4-BE49-F238E27FC236}">
-                <a16:creationId xmlns:a16="http://schemas.microsoft.com/office/drawing/2014/main" id="{998D9F01-2947-83CF-E5BF-D67024C38899}"/>
+                <a16:creationId xmlns:a16="http://schemas.microsoft.com/office/drawing/2014/main" id="{A8787308-A383-7C40-8654-D6FE07738D26}"/>
               </a:ext>
             </a:extLst>
           </p:cNvPr>
@@ -3121,24 +3141,31 @@
             <a:spLocks noGrp="1"/>
           </p:cNvSpPr>
           <p:nvPr>
-            <p:ph type="ctrTitle"/>
-          </p:nvPr>
-        </p:nvSpPr>
-        <p:spPr/>
-        <p:txBody>
-          <a:bodyPr/>
-          <a:lstStyle/>
-          <a:p>
-            <a:endParaRPr lang="en-SE"/>
-          </a:p>
-        </p:txBody>
-      </p:sp>
-      <p:sp>
-        <p:nvSpPr>
-          <p:cNvPr id="3" name="Subtitle 2">
+            <p:ph type="title"/>
+          </p:nvPr>
+        </p:nvSpPr>
+        <p:spPr/>
+        <p:txBody>
+          <a:bodyPr>
+            <a:noAutofit/>
+          </a:bodyPr>
+          <a:lstStyle/>
+          <a:p>
+            <a:pPr algn="l"/>
+            <a:r>
+              <a:rPr lang="en-GB" sz="3600" b="1" dirty="0"/>
+              <a:t>Who builds the tallest Spaghetti Tower?</a:t>
+            </a:r>
+            <a:endParaRPr lang="en-SE" sz="3600" dirty="0"/>
+          </a:p>
+        </p:txBody>
+      </p:sp>
+      <p:sp>
+        <p:nvSpPr>
+          <p:cNvPr id="5" name="Content Placeholder 4">
             <a:extLst>
               <a:ext uri="{FF2B5EF4-FFF2-40B4-BE49-F238E27FC236}">
-                <a16:creationId xmlns:a16="http://schemas.microsoft.com/office/drawing/2014/main" id="{E235948A-5E8B-F8FA-45D6-D6AC830A9E39}"/>
+                <a16:creationId xmlns:a16="http://schemas.microsoft.com/office/drawing/2014/main" id="{2A5A44B8-7B25-C6E7-BE4F-2A2B49579AEE}"/>
               </a:ext>
             </a:extLst>
           </p:cNvPr>
@@ -3146,22 +3173,411 @@
             <a:spLocks noGrp="1"/>
           </p:cNvSpPr>
           <p:nvPr>
-            <p:ph type="subTitle" idx="1"/>
-          </p:nvPr>
-        </p:nvSpPr>
-        <p:spPr/>
-        <p:txBody>
-          <a:bodyPr/>
-          <a:lstStyle/>
-          <a:p>
-            <a:endParaRPr lang="en-SE"/>
-          </a:p>
-        </p:txBody>
-      </p:sp>
+            <p:ph idx="1"/>
+          </p:nvPr>
+        </p:nvSpPr>
+        <p:spPr/>
+        <p:txBody>
+          <a:bodyPr>
+            <a:normAutofit fontScale="92500" lnSpcReduction="20000"/>
+          </a:bodyPr>
+          <a:lstStyle/>
+          <a:p>
+            <a:r>
+              <a:rPr lang="en-SE" dirty="0"/>
+              <a:t>Description</a:t>
+            </a:r>
+          </a:p>
+          <a:p>
+            <a:pPr lvl="1"/>
+            <a:r>
+              <a:rPr lang="en-GB" dirty="0"/>
+              <a:t>Work as a team to build a spaghetti tower, using limited materials, that can stand on the ground or on any solid surface.</a:t>
+            </a:r>
+            <a:endParaRPr lang="en-SE" dirty="0"/>
+          </a:p>
+          <a:p>
+            <a:r>
+              <a:rPr lang="en-SE" dirty="0"/>
+              <a:t>Materials:</a:t>
+            </a:r>
+          </a:p>
+          <a:p>
+            <a:pPr lvl="1"/>
+            <a:r>
+              <a:rPr lang="en-GB" dirty="0"/>
+              <a:t>Each team gets the same set of supplies</a:t>
+            </a:r>
+          </a:p>
+          <a:p>
+            <a:pPr lvl="1">
+              <a:buFont typeface="Arial" panose="020B0604020202020204" pitchFamily="34" charset="0"/>
+              <a:buChar char="•"/>
+            </a:pPr>
+            <a:r>
+              <a:rPr lang="en-GB" dirty="0">
+                <a:effectLst/>
+              </a:rPr>
+              <a:t>20 sticks of dry spaghetti</a:t>
+            </a:r>
+          </a:p>
+          <a:p>
+            <a:pPr lvl="1">
+              <a:buFont typeface="Arial" panose="020B0604020202020204" pitchFamily="34" charset="0"/>
+              <a:buChar char="•"/>
+            </a:pPr>
+            <a:r>
+              <a:rPr lang="en-GB" dirty="0">
+                <a:effectLst/>
+              </a:rPr>
+              <a:t>one meter of string</a:t>
+            </a:r>
+          </a:p>
+          <a:p>
+            <a:pPr lvl="1">
+              <a:buFont typeface="Arial" panose="020B0604020202020204" pitchFamily="34" charset="0"/>
+              <a:buChar char="•"/>
+            </a:pPr>
+            <a:r>
+              <a:rPr lang="en-GB" dirty="0">
+                <a:effectLst/>
+              </a:rPr>
+              <a:t>one role of tape</a:t>
+            </a:r>
+          </a:p>
+          <a:p>
+            <a:pPr lvl="1">
+              <a:buFont typeface="Arial" panose="020B0604020202020204" pitchFamily="34" charset="0"/>
+              <a:buChar char="•"/>
+            </a:pPr>
+            <a:r>
+              <a:rPr lang="en-GB" dirty="0"/>
+              <a:t>two</a:t>
+            </a:r>
+            <a:r>
+              <a:rPr lang="en-GB" dirty="0">
+                <a:effectLst/>
+              </a:rPr>
+              <a:t> marshmallows</a:t>
+            </a:r>
+          </a:p>
+          <a:p>
+            <a:pPr lvl="1">
+              <a:buFont typeface="Arial" panose="020B0604020202020204" pitchFamily="34" charset="0"/>
+              <a:buChar char="•"/>
+            </a:pPr>
+            <a:r>
+              <a:rPr lang="en-GB" b="0" i="0" u="none" strike="noStrike" dirty="0">
+                <a:solidFill>
+                  <a:srgbClr val="374151"/>
+                </a:solidFill>
+                <a:effectLst/>
+                <a:latin typeface="Inter"/>
+              </a:rPr>
+              <a:t>One pair of scissors</a:t>
+            </a:r>
+            <a:endParaRPr lang="en-GB" dirty="0">
+              <a:effectLst/>
+            </a:endParaRPr>
+          </a:p>
+          <a:p>
+            <a:endParaRPr lang="en-SE" dirty="0"/>
+          </a:p>
+          <a:p>
+            <a:pPr lvl="1"/>
+            <a:endParaRPr lang="en-SE" dirty="0"/>
+          </a:p>
+        </p:txBody>
+      </p:sp>
+      <p:pic>
+        <p:nvPicPr>
+          <p:cNvPr id="7" name="Picture 6">
+            <a:extLst>
+              <a:ext uri="{FF2B5EF4-FFF2-40B4-BE49-F238E27FC236}">
+                <a16:creationId xmlns:a16="http://schemas.microsoft.com/office/drawing/2014/main" id="{F2550C05-D29F-8657-6960-DF481B6539F1}"/>
+              </a:ext>
+            </a:extLst>
+          </p:cNvPr>
+          <p:cNvPicPr>
+            <a:picLocks noChangeAspect="1"/>
+          </p:cNvPicPr>
+          <p:nvPr/>
+        </p:nvPicPr>
+        <p:blipFill>
+          <a:blip r:embed="rId2"/>
+          <a:stretch>
+            <a:fillRect/>
+          </a:stretch>
+        </p:blipFill>
+        <p:spPr>
+          <a:xfrm>
+            <a:off x="5496560" y="4286249"/>
+            <a:ext cx="2885440" cy="1612755"/>
+          </a:xfrm>
+          <a:prstGeom prst="rect">
+            <a:avLst/>
+          </a:prstGeom>
+        </p:spPr>
+      </p:pic>
     </p:spTree>
     <p:extLst>
       <p:ext uri="{BB962C8B-B14F-4D97-AF65-F5344CB8AC3E}">
         <p14:creationId xmlns:p14="http://schemas.microsoft.com/office/powerpoint/2010/main" val="2525644667"/>
+      </p:ext>
+    </p:extLst>
+  </p:cSld>
+  <p:clrMapOvr>
+    <a:masterClrMapping/>
+  </p:clrMapOvr>
+</p:sld>
+</file>
+
+<file path=ppt/slides/slide2.xml><?xml version="1.0" encoding="utf-8"?>
+<p:sld xmlns:a="http://schemas.openxmlformats.org/drawingml/2006/main" xmlns:r="http://schemas.openxmlformats.org/officeDocument/2006/relationships" xmlns:p="http://schemas.openxmlformats.org/presentationml/2006/main">
+  <p:cSld>
+    <p:spTree>
+      <p:nvGrpSpPr>
+        <p:cNvPr id="1" name=""/>
+        <p:cNvGrpSpPr/>
+        <p:nvPr/>
+      </p:nvGrpSpPr>
+      <p:grpSpPr>
+        <a:xfrm>
+          <a:off x="0" y="0"/>
+          <a:ext cx="0" cy="0"/>
+          <a:chOff x="0" y="0"/>
+          <a:chExt cx="0" cy="0"/>
+        </a:xfrm>
+      </p:grpSpPr>
+      <p:sp>
+        <p:nvSpPr>
+          <p:cNvPr id="2" name="Title 1">
+            <a:extLst>
+              <a:ext uri="{FF2B5EF4-FFF2-40B4-BE49-F238E27FC236}">
+                <a16:creationId xmlns:a16="http://schemas.microsoft.com/office/drawing/2014/main" id="{5B035AAE-BA53-EA76-90B9-AD80123DE720}"/>
+              </a:ext>
+            </a:extLst>
+          </p:cNvPr>
+          <p:cNvSpPr>
+            <a:spLocks noGrp="1"/>
+          </p:cNvSpPr>
+          <p:nvPr>
+            <p:ph type="title"/>
+          </p:nvPr>
+        </p:nvSpPr>
+        <p:spPr/>
+        <p:txBody>
+          <a:bodyPr/>
+          <a:lstStyle/>
+          <a:p>
+            <a:pPr algn="l"/>
+            <a:r>
+              <a:rPr lang="en-SE" dirty="0"/>
+              <a:t>Rules</a:t>
+            </a:r>
+          </a:p>
+        </p:txBody>
+      </p:sp>
+      <p:sp>
+        <p:nvSpPr>
+          <p:cNvPr id="3" name="Content Placeholder 2">
+            <a:extLst>
+              <a:ext uri="{FF2B5EF4-FFF2-40B4-BE49-F238E27FC236}">
+                <a16:creationId xmlns:a16="http://schemas.microsoft.com/office/drawing/2014/main" id="{7D772682-ACC6-A706-3F38-828CCD09E70A}"/>
+              </a:ext>
+            </a:extLst>
+          </p:cNvPr>
+          <p:cNvSpPr>
+            <a:spLocks noGrp="1"/>
+          </p:cNvSpPr>
+          <p:nvPr>
+            <p:ph idx="1"/>
+          </p:nvPr>
+        </p:nvSpPr>
+        <p:spPr/>
+        <p:txBody>
+          <a:bodyPr>
+            <a:normAutofit fontScale="70000" lnSpcReduction="20000"/>
+          </a:bodyPr>
+          <a:lstStyle/>
+          <a:p>
+            <a:pPr algn="l">
+              <a:spcBef>
+                <a:spcPts val="1128"/>
+              </a:spcBef>
+              <a:buFont typeface="+mj-lt"/>
+              <a:buAutoNum type="arabicPeriod"/>
+            </a:pPr>
+            <a:r>
+              <a:rPr lang="en-GB" b="0" i="0" u="none" strike="noStrike" dirty="0">
+                <a:solidFill>
+                  <a:srgbClr val="374151"/>
+                </a:solidFill>
+                <a:effectLst/>
+                <a:latin typeface="Inter"/>
+              </a:rPr>
+              <a:t>Write a stepwise plan (similar to pseudocode) before beginning construction.</a:t>
+            </a:r>
+          </a:p>
+          <a:p>
+            <a:pPr algn="l">
+              <a:spcBef>
+                <a:spcPts val="1128"/>
+              </a:spcBef>
+              <a:buFont typeface="+mj-lt"/>
+              <a:buAutoNum type="arabicPeriod"/>
+            </a:pPr>
+            <a:r>
+              <a:rPr lang="en-GB" b="0" i="0" u="none" strike="noStrike" dirty="0">
+                <a:solidFill>
+                  <a:srgbClr val="374151"/>
+                </a:solidFill>
+                <a:effectLst/>
+                <a:latin typeface="Inter"/>
+              </a:rPr>
+              <a:t>Choose a unique name for your team.</a:t>
+            </a:r>
+          </a:p>
+          <a:p>
+            <a:pPr algn="l">
+              <a:spcBef>
+                <a:spcPts val="1128"/>
+              </a:spcBef>
+              <a:buFont typeface="+mj-lt"/>
+              <a:buAutoNum type="arabicPeriod"/>
+            </a:pPr>
+            <a:r>
+              <a:rPr lang="en-GB" b="0" i="0" u="none" strike="noStrike" dirty="0">
+                <a:solidFill>
+                  <a:srgbClr val="374151"/>
+                </a:solidFill>
+                <a:effectLst/>
+                <a:latin typeface="Inter"/>
+              </a:rPr>
+              <a:t>The team that constructs the tallest tower wins. In the event of a tie in height, the team with the superior plan will be declared the winner.</a:t>
+            </a:r>
+          </a:p>
+          <a:p>
+            <a:pPr algn="l">
+              <a:spcBef>
+                <a:spcPts val="1128"/>
+              </a:spcBef>
+              <a:buFont typeface="+mj-lt"/>
+              <a:buAutoNum type="arabicPeriod"/>
+            </a:pPr>
+            <a:r>
+              <a:rPr lang="en-GB" b="0" i="0" u="none" strike="noStrike" dirty="0">
+                <a:solidFill>
+                  <a:srgbClr val="374151"/>
+                </a:solidFill>
+                <a:effectLst/>
+                <a:latin typeface="Inter"/>
+              </a:rPr>
+              <a:t>The spaghetti tower must be sturdy enough to remain standing until all teams' towers have been measured and photographed.</a:t>
+            </a:r>
+          </a:p>
+          <a:p>
+            <a:pPr algn="l">
+              <a:spcBef>
+                <a:spcPts val="1128"/>
+              </a:spcBef>
+              <a:buFont typeface="+mj-lt"/>
+              <a:buAutoNum type="arabicPeriod"/>
+            </a:pPr>
+            <a:r>
+              <a:rPr lang="en-GB" b="0" i="0" u="none" strike="noStrike" dirty="0">
+                <a:solidFill>
+                  <a:srgbClr val="374151"/>
+                </a:solidFill>
+                <a:effectLst/>
+                <a:latin typeface="Inter"/>
+              </a:rPr>
+              <a:t>The tower's height will be measured from its lowest structural point on the ground or base to its highest point, regardless of its placement.</a:t>
+            </a:r>
+          </a:p>
+          <a:p>
+            <a:pPr algn="l">
+              <a:spcBef>
+                <a:spcPts val="1128"/>
+              </a:spcBef>
+              <a:buFont typeface="+mj-lt"/>
+              <a:buAutoNum type="arabicPeriod"/>
+            </a:pPr>
+            <a:r>
+              <a:rPr lang="en-GB" b="0" i="0" u="none" strike="noStrike" dirty="0">
+                <a:solidFill>
+                  <a:srgbClr val="374151"/>
+                </a:solidFill>
+                <a:effectLst/>
+                <a:latin typeface="Inter"/>
+              </a:rPr>
+              <a:t>You have a time limit of 30 minutes to complete the challenge.</a:t>
+            </a:r>
+          </a:p>
+        </p:txBody>
+      </p:sp>
+    </p:spTree>
+    <p:extLst>
+      <p:ext uri="{BB962C8B-B14F-4D97-AF65-F5344CB8AC3E}">
+        <p14:creationId xmlns:p14="http://schemas.microsoft.com/office/powerpoint/2010/main" val="3403191866"/>
+      </p:ext>
+    </p:extLst>
+  </p:cSld>
+  <p:clrMapOvr>
+    <a:masterClrMapping/>
+  </p:clrMapOvr>
+</p:sld>
+</file>
+
+<file path=ppt/slides/slide3.xml><?xml version="1.0" encoding="utf-8"?>
+<p:sld xmlns:a="http://schemas.openxmlformats.org/drawingml/2006/main" xmlns:r="http://schemas.openxmlformats.org/officeDocument/2006/relationships" xmlns:p="http://schemas.openxmlformats.org/presentationml/2006/main">
+  <p:cSld>
+    <p:spTree>
+      <p:nvGrpSpPr>
+        <p:cNvPr id="1" name=""/>
+        <p:cNvGrpSpPr/>
+        <p:nvPr/>
+      </p:nvGrpSpPr>
+      <p:grpSpPr>
+        <a:xfrm>
+          <a:off x="0" y="0"/>
+          <a:ext cx="0" cy="0"/>
+          <a:chOff x="0" y="0"/>
+          <a:chExt cx="0" cy="0"/>
+        </a:xfrm>
+      </p:grpSpPr>
+      <p:sp>
+        <p:nvSpPr>
+          <p:cNvPr id="4" name="Title 3">
+            <a:extLst>
+              <a:ext uri="{FF2B5EF4-FFF2-40B4-BE49-F238E27FC236}">
+                <a16:creationId xmlns:a16="http://schemas.microsoft.com/office/drawing/2014/main" id="{829D368D-BD5F-60A3-93D6-BE6DA574C5E3}"/>
+              </a:ext>
+            </a:extLst>
+          </p:cNvPr>
+          <p:cNvSpPr>
+            <a:spLocks noGrp="1"/>
+          </p:cNvSpPr>
+          <p:nvPr>
+            <p:ph type="ctrTitle"/>
+          </p:nvPr>
+        </p:nvSpPr>
+        <p:spPr/>
+        <p:txBody>
+          <a:bodyPr/>
+          <a:lstStyle/>
+          <a:p>
+            <a:r>
+              <a:rPr lang="en-SE" dirty="0"/>
+              <a:t>Questions?</a:t>
+            </a:r>
+          </a:p>
+        </p:txBody>
+      </p:sp>
+    </p:spTree>
+    <p:extLst>
+      <p:ext uri="{BB962C8B-B14F-4D97-AF65-F5344CB8AC3E}">
+        <p14:creationId xmlns:p14="http://schemas.microsoft.com/office/powerpoint/2010/main" val="3944266499"/>
       </p:ext>
     </p:extLst>
   </p:cSld>

--- a/teambuild/spaghetti-tower.pptx
+++ b/teambuild/spaghetti-tower.pptx
@@ -8,6 +8,7 @@
     <p:sldId id="256" r:id="rId2"/>
     <p:sldId id="257" r:id="rId3"/>
     <p:sldId id="258" r:id="rId4"/>
+    <p:sldId id="259" r:id="rId5"/>
   </p:sldIdLst>
   <p:sldSz cx="9144000" cy="6858000" type="screen4x3"/>
   <p:notesSz cx="6858000" cy="9144000"/>
@@ -3511,7 +3512,7 @@
                 <a:effectLst/>
                 <a:latin typeface="Inter"/>
               </a:rPr>
-              <a:t>You have a time limit of 30 minutes to complete the challenge.</a:t>
+              <a:t>You have a time limit of 40 minutes to complete the challenge.</a:t>
             </a:r>
           </a:p>
         </p:txBody>
@@ -3578,6 +3579,86 @@
     <p:extLst>
       <p:ext uri="{BB962C8B-B14F-4D97-AF65-F5344CB8AC3E}">
         <p14:creationId xmlns:p14="http://schemas.microsoft.com/office/powerpoint/2010/main" val="3944266499"/>
+      </p:ext>
+    </p:extLst>
+  </p:cSld>
+  <p:clrMapOvr>
+    <a:masterClrMapping/>
+  </p:clrMapOvr>
+</p:sld>
+</file>
+
+<file path=ppt/slides/slide4.xml><?xml version="1.0" encoding="utf-8"?>
+<p:sld xmlns:a="http://schemas.openxmlformats.org/drawingml/2006/main" xmlns:r="http://schemas.openxmlformats.org/officeDocument/2006/relationships" xmlns:p="http://schemas.openxmlformats.org/presentationml/2006/main">
+  <p:cSld>
+    <p:spTree>
+      <p:nvGrpSpPr>
+        <p:cNvPr id="1" name=""/>
+        <p:cNvGrpSpPr/>
+        <p:nvPr/>
+      </p:nvGrpSpPr>
+      <p:grpSpPr>
+        <a:xfrm>
+          <a:off x="0" y="0"/>
+          <a:ext cx="0" cy="0"/>
+          <a:chOff x="0" y="0"/>
+          <a:chExt cx="0" cy="0"/>
+        </a:xfrm>
+      </p:grpSpPr>
+      <p:sp>
+        <p:nvSpPr>
+          <p:cNvPr id="2" name="Title 1">
+            <a:extLst>
+              <a:ext uri="{FF2B5EF4-FFF2-40B4-BE49-F238E27FC236}">
+                <a16:creationId xmlns:a16="http://schemas.microsoft.com/office/drawing/2014/main" id="{D020AB27-BECA-3867-1FEA-E425F4650E3B}"/>
+              </a:ext>
+            </a:extLst>
+          </p:cNvPr>
+          <p:cNvSpPr>
+            <a:spLocks noGrp="1"/>
+          </p:cNvSpPr>
+          <p:nvPr>
+            <p:ph type="title"/>
+          </p:nvPr>
+        </p:nvSpPr>
+        <p:spPr/>
+        <p:txBody>
+          <a:bodyPr/>
+          <a:lstStyle/>
+          <a:p>
+            <a:endParaRPr lang="en-SE" dirty="0"/>
+          </a:p>
+        </p:txBody>
+      </p:sp>
+      <p:sp>
+        <p:nvSpPr>
+          <p:cNvPr id="3" name="Content Placeholder 2">
+            <a:extLst>
+              <a:ext uri="{FF2B5EF4-FFF2-40B4-BE49-F238E27FC236}">
+                <a16:creationId xmlns:a16="http://schemas.microsoft.com/office/drawing/2014/main" id="{5AC579AD-B2BB-7F2D-A2C1-6AA474D10D76}"/>
+              </a:ext>
+            </a:extLst>
+          </p:cNvPr>
+          <p:cNvSpPr>
+            <a:spLocks noGrp="1"/>
+          </p:cNvSpPr>
+          <p:nvPr>
+            <p:ph idx="1"/>
+          </p:nvPr>
+        </p:nvSpPr>
+        <p:spPr/>
+        <p:txBody>
+          <a:bodyPr/>
+          <a:lstStyle/>
+          <a:p>
+            <a:endParaRPr lang="en-SE"/>
+          </a:p>
+        </p:txBody>
+      </p:sp>
+    </p:spTree>
+    <p:extLst>
+      <p:ext uri="{BB962C8B-B14F-4D97-AF65-F5344CB8AC3E}">
+        <p14:creationId xmlns:p14="http://schemas.microsoft.com/office/powerpoint/2010/main" val="4178970497"/>
       </p:ext>
     </p:extLst>
   </p:cSld>
